--- a/ppt/20分钟入门Python_下_李兴贺_20210619..pptx
+++ b/ppt/20分钟入门Python_下_李兴贺_20210619..pptx
@@ -6,15 +6,14 @@
   </p:sldMasterIdLst>
   <p:sldIdLst>
     <p:sldId id="256" r:id="rId3"/>
-    <p:sldId id="258" r:id="rId4"/>
-    <p:sldId id="259" r:id="rId5"/>
-    <p:sldId id="260" r:id="rId6"/>
-    <p:sldId id="261" r:id="rId7"/>
-    <p:sldId id="262" r:id="rId8"/>
+    <p:sldId id="272" r:id="rId4"/>
+    <p:sldId id="258" r:id="rId5"/>
+    <p:sldId id="271" r:id="rId6"/>
+    <p:sldId id="273" r:id="rId7"/>
+    <p:sldId id="274" r:id="rId8"/>
     <p:sldId id="263" r:id="rId9"/>
-    <p:sldId id="264" r:id="rId10"/>
-    <p:sldId id="266" r:id="rId11"/>
-    <p:sldId id="265" r:id="rId12"/>
+    <p:sldId id="266" r:id="rId10"/>
+    <p:sldId id="265" r:id="rId11"/>
   </p:sldIdLst>
   <p:sldSz cx="12192000" cy="6858000"/>
   <p:notesSz cx="6858000" cy="9144000"/>
@@ -3119,11 +3118,7 @@
             </a:r>
             <a:r>
               <a:rPr lang="zh-CN" altLang="en-US"/>
-              <a:t>（下</a:t>
-            </a:r>
-            <a:r>
-              <a:rPr lang="zh-CN" altLang="en-US"/>
-              <a:t>）</a:t>
+              <a:t>（下）</a:t>
             </a:r>
             <a:endParaRPr lang="zh-CN" altLang="en-US"/>
           </a:p>
@@ -3155,173 +3150,6 @@
               <a:t>2021.06.19</a:t>
             </a:r>
             <a:endParaRPr lang="en-US" altLang="zh-CN"/>
-          </a:p>
-        </p:txBody>
-      </p:sp>
-    </p:spTree>
-  </p:cSld>
-  <p:clrMapOvr>
-    <a:masterClrMapping/>
-  </p:clrMapOvr>
-</p:sld>
-</file>
-
-<file path=ppt/slides/slide10.xml><?xml version="1.0" encoding="utf-8"?>
-<p:sld xmlns:a="http://schemas.openxmlformats.org/drawingml/2006/main" xmlns:r="http://schemas.openxmlformats.org/officeDocument/2006/relationships" xmlns:p="http://schemas.openxmlformats.org/presentationml/2006/main">
-  <p:cSld>
-    <p:spTree>
-      <p:nvGrpSpPr>
-        <p:cNvPr id="1" name=""/>
-        <p:cNvGrpSpPr/>
-        <p:nvPr/>
-      </p:nvGrpSpPr>
-      <p:grpSpPr/>
-      <p:sp>
-        <p:nvSpPr>
-          <p:cNvPr id="2" name="标题 1"/>
-          <p:cNvSpPr>
-            <a:spLocks noGrp="1"/>
-          </p:cNvSpPr>
-          <p:nvPr>
-            <p:ph type="title"/>
-          </p:nvPr>
-        </p:nvSpPr>
-        <p:spPr>
-          <a:xfrm>
-            <a:off x="1092200" y="2729865"/>
-            <a:ext cx="10515600" cy="2063750"/>
-          </a:xfrm>
-        </p:spPr>
-        <p:txBody>
-          <a:bodyPr>
-            <a:noAutofit/>
-          </a:bodyPr>
-          <a:p>
-            <a:pPr algn="ctr"/>
-            <a:r>
-              <a:rPr lang="en-US" altLang="zh-CN" sz="9600" b="1">
-                <a:solidFill>
-                  <a:srgbClr val="FF0000"/>
-                </a:solidFill>
-              </a:rPr>
-              <a:t>Run</a:t>
-            </a:r>
-            <a:r>
-              <a:rPr lang="en-US" altLang="zh-CN" sz="9600"/>
-              <a:t>, Don't </a:t>
-            </a:r>
-            <a:r>
-              <a:rPr lang="en-US" altLang="zh-CN" sz="9600" strike="sngStrike">
-                <a:solidFill>
-                  <a:schemeClr val="accent1">
-                    <a:lumMod val="75000"/>
-                  </a:schemeClr>
-                </a:solidFill>
-                <a:uFillTx/>
-              </a:rPr>
-              <a:t>Walk</a:t>
-            </a:r>
-            <a:r>
-              <a:rPr lang="en-US" altLang="zh-CN" sz="9600"/>
-              <a:t>!</a:t>
-            </a:r>
-            <a:endParaRPr lang="en-US" altLang="zh-CN" sz="9600"/>
-          </a:p>
-        </p:txBody>
-      </p:sp>
-      <p:sp>
-        <p:nvSpPr>
-          <p:cNvPr id="3" name="标题 1"/>
-          <p:cNvSpPr>
-            <a:spLocks noGrp="1"/>
-          </p:cNvSpPr>
-          <p:nvPr/>
-        </p:nvSpPr>
-        <p:spPr>
-          <a:xfrm>
-            <a:off x="838200" y="365125"/>
-            <a:ext cx="10515600" cy="1325563"/>
-          </a:xfrm>
-          <a:prstGeom prst="rect">
-            <a:avLst/>
-          </a:prstGeom>
-        </p:spPr>
-        <p:txBody>
-          <a:bodyPr vert="horz" lIns="91440" tIns="45720" rIns="91440" bIns="45720" rtlCol="0" anchor="ctr">
-            <a:normAutofit/>
-          </a:bodyPr>
-          <a:lstStyle>
-            <a:lvl1pPr algn="l" defTabSz="914400" rtl="0" eaLnBrk="1" latinLnBrk="0" hangingPunct="1">
-              <a:lnSpc>
-                <a:spcPct val="90000"/>
-              </a:lnSpc>
-              <a:spcBef>
-                <a:spcPct val="0"/>
-              </a:spcBef>
-              <a:buNone/>
-              <a:defRPr sz="4400" kern="1200">
-                <a:solidFill>
-                  <a:schemeClr val="tx1"/>
-                </a:solidFill>
-                <a:latin typeface="+mj-lt"/>
-                <a:ea typeface="+mj-ea"/>
-                <a:cs typeface="+mj-cs"/>
-              </a:defRPr>
-            </a:lvl1pPr>
-          </a:lstStyle>
-          <a:p>
-            <a:pPr algn="l"/>
-            <a:endParaRPr lang="zh-CN" altLang="en-US" sz="4800"/>
-          </a:p>
-        </p:txBody>
-      </p:sp>
-      <p:sp>
-        <p:nvSpPr>
-          <p:cNvPr id="4" name="标题 1"/>
-          <p:cNvSpPr>
-            <a:spLocks noGrp="1"/>
-          </p:cNvSpPr>
-          <p:nvPr/>
-        </p:nvSpPr>
-        <p:spPr>
-          <a:xfrm>
-            <a:off x="965200" y="492125"/>
-            <a:ext cx="10515600" cy="1325563"/>
-          </a:xfrm>
-          <a:prstGeom prst="rect">
-            <a:avLst/>
-          </a:prstGeom>
-        </p:spPr>
-        <p:txBody>
-          <a:bodyPr vert="horz" lIns="91440" tIns="45720" rIns="91440" bIns="45720" rtlCol="0" anchor="ctr">
-            <a:normAutofit/>
-          </a:bodyPr>
-          <a:lstStyle>
-            <a:lvl1pPr algn="l" defTabSz="914400" rtl="0" eaLnBrk="1" latinLnBrk="0" hangingPunct="1">
-              <a:lnSpc>
-                <a:spcPct val="90000"/>
-              </a:lnSpc>
-              <a:spcBef>
-                <a:spcPct val="0"/>
-              </a:spcBef>
-              <a:buNone/>
-              <a:defRPr sz="4400" kern="1200">
-                <a:solidFill>
-                  <a:schemeClr val="tx1"/>
-                </a:solidFill>
-                <a:latin typeface="+mj-lt"/>
-                <a:ea typeface="+mj-ea"/>
-                <a:cs typeface="+mj-cs"/>
-              </a:defRPr>
-            </a:lvl1pPr>
-          </a:lstStyle>
-          <a:p>
-            <a:pPr algn="l"/>
-            <a:r>
-              <a:rPr lang="zh-CN" altLang="en-US" sz="4800"/>
-              <a:t>知行合一</a:t>
-            </a:r>
-            <a:endParaRPr lang="zh-CN" altLang="en-US" sz="4800"/>
           </a:p>
         </p:txBody>
       </p:sp>
@@ -3415,7 +3243,7 @@
             <a:pPr algn="ctr"/>
             <a:r>
               <a:rPr lang="zh-CN" altLang="en-US" sz="9600"/>
-              <a:t>它是它，你是你</a:t>
+              <a:t>输入、谋算、输出</a:t>
             </a:r>
             <a:endParaRPr lang="zh-CN" altLang="en-US" sz="9600"/>
           </a:p>
@@ -3460,14 +3288,21 @@
             <a:noAutofit/>
           </a:bodyPr>
           <a:p>
-            <a:pPr algn="ctr"/>
-            <a:r>
-              <a:rPr lang="en-US" altLang="zh-CN" sz="9600"/>
-              <a:t>20 </a:t>
-            </a:r>
+            <a:pPr algn="ctr">
+              <a:lnSpc>
+                <a:spcPct val="140000"/>
+              </a:lnSpc>
+            </a:pPr>
             <a:r>
               <a:rPr lang="zh-CN" altLang="en-US" sz="9600"/>
-              <a:t>分钟</a:t>
+              <a:t>拿来主义</a:t>
+            </a:r>
+            <a:br>
+              <a:rPr lang="zh-CN" altLang="en-US" sz="9600"/>
+            </a:br>
+            <a:r>
+              <a:rPr lang="zh-CN" altLang="en-US" sz="9600"/>
+              <a:t>自己动手</a:t>
             </a:r>
             <a:endParaRPr lang="zh-CN" altLang="en-US" sz="9600"/>
           </a:p>
@@ -3515,10 +3350,6 @@
           </a:lstStyle>
           <a:p>
             <a:pPr algn="l"/>
-            <a:r>
-              <a:rPr lang="zh-CN" altLang="en-US" sz="4800"/>
-              <a:t>印象</a:t>
-            </a:r>
             <a:endParaRPr lang="zh-CN" altLang="en-US" sz="4800"/>
           </a:p>
         </p:txBody>
@@ -3564,64 +3395,10 @@
           <a:p>
             <a:pPr algn="ctr"/>
             <a:r>
-              <a:rPr lang="en-US" altLang="zh-CN" sz="9600"/>
-              <a:t>2 </a:t>
-            </a:r>
-            <a:r>
               <a:rPr lang="zh-CN" altLang="en-US" sz="9600"/>
-              <a:t>小时</a:t>
+              <a:t>顺序、分支、循环</a:t>
             </a:r>
             <a:endParaRPr lang="zh-CN" altLang="en-US" sz="9600"/>
-          </a:p>
-        </p:txBody>
-      </p:sp>
-      <p:sp>
-        <p:nvSpPr>
-          <p:cNvPr id="3" name="标题 1"/>
-          <p:cNvSpPr>
-            <a:spLocks noGrp="1"/>
-          </p:cNvSpPr>
-          <p:nvPr/>
-        </p:nvSpPr>
-        <p:spPr>
-          <a:xfrm>
-            <a:off x="838200" y="365125"/>
-            <a:ext cx="10515600" cy="1325563"/>
-          </a:xfrm>
-          <a:prstGeom prst="rect">
-            <a:avLst/>
-          </a:prstGeom>
-        </p:spPr>
-        <p:txBody>
-          <a:bodyPr vert="horz" lIns="91440" tIns="45720" rIns="91440" bIns="45720" rtlCol="0" anchor="ctr">
-            <a:normAutofit/>
-          </a:bodyPr>
-          <a:lstStyle>
-            <a:lvl1pPr algn="l" defTabSz="914400" rtl="0" eaLnBrk="1" latinLnBrk="0" hangingPunct="1">
-              <a:lnSpc>
-                <a:spcPct val="90000"/>
-              </a:lnSpc>
-              <a:spcBef>
-                <a:spcPct val="0"/>
-              </a:spcBef>
-              <a:buNone/>
-              <a:defRPr sz="4400" kern="1200">
-                <a:solidFill>
-                  <a:schemeClr val="tx1"/>
-                </a:solidFill>
-                <a:latin typeface="+mj-lt"/>
-                <a:ea typeface="+mj-ea"/>
-                <a:cs typeface="+mj-cs"/>
-              </a:defRPr>
-            </a:lvl1pPr>
-          </a:lstStyle>
-          <a:p>
-            <a:pPr algn="l"/>
-            <a:r>
-              <a:rPr lang="zh-CN" altLang="en-US" sz="4800"/>
-              <a:t>上手出活</a:t>
-            </a:r>
-            <a:endParaRPr lang="zh-CN" altLang="en-US" sz="4800"/>
           </a:p>
         </p:txBody>
       </p:sp>
@@ -3655,7 +3432,7 @@
         </p:nvSpPr>
         <p:spPr>
           <a:xfrm>
-            <a:off x="1092200" y="2689860"/>
+            <a:off x="838200" y="2397125"/>
             <a:ext cx="10515600" cy="2063750"/>
           </a:xfrm>
         </p:spPr>
@@ -3666,79 +3443,10 @@
           <a:p>
             <a:pPr algn="ctr"/>
             <a:r>
-              <a:rPr lang="en-US" altLang="zh-CN" sz="9600" b="1">
-                <a:solidFill>
-                  <a:srgbClr val="FF0000"/>
-                </a:solidFill>
-              </a:rPr>
-              <a:t>Run</a:t>
-            </a:r>
-            <a:r>
-              <a:rPr lang="en-US" altLang="zh-CN" sz="9600"/>
-              <a:t>, Don't </a:t>
-            </a:r>
-            <a:r>
-              <a:rPr lang="en-US" altLang="zh-CN" sz="9600" strike="sngStrike">
-                <a:solidFill>
-                  <a:schemeClr val="accent1">
-                    <a:lumMod val="75000"/>
-                  </a:schemeClr>
-                </a:solidFill>
-                <a:uFillTx/>
-              </a:rPr>
-              <a:t>Walk</a:t>
-            </a:r>
-            <a:r>
-              <a:rPr lang="en-US" altLang="zh-CN" sz="9600"/>
-              <a:t>!</a:t>
-            </a:r>
-            <a:endParaRPr lang="en-US" altLang="zh-CN" sz="9600"/>
-          </a:p>
-        </p:txBody>
-      </p:sp>
-      <p:sp>
-        <p:nvSpPr>
-          <p:cNvPr id="3" name="标题 1"/>
-          <p:cNvSpPr>
-            <a:spLocks noGrp="1"/>
-          </p:cNvSpPr>
-          <p:nvPr/>
-        </p:nvSpPr>
-        <p:spPr>
-          <a:xfrm>
-            <a:off x="838200" y="365125"/>
-            <a:ext cx="10515600" cy="1325563"/>
-          </a:xfrm>
-          <a:prstGeom prst="rect">
-            <a:avLst/>
-          </a:prstGeom>
-        </p:spPr>
-        <p:txBody>
-          <a:bodyPr vert="horz" lIns="91440" tIns="45720" rIns="91440" bIns="45720" rtlCol="0" anchor="ctr">
-            <a:normAutofit/>
-          </a:bodyPr>
-          <a:lstStyle>
-            <a:lvl1pPr algn="l" defTabSz="914400" rtl="0" eaLnBrk="1" latinLnBrk="0" hangingPunct="1">
-              <a:lnSpc>
-                <a:spcPct val="90000"/>
-              </a:lnSpc>
-              <a:spcBef>
-                <a:spcPct val="0"/>
-              </a:spcBef>
-              <a:buNone/>
-              <a:defRPr sz="4400" kern="1200">
-                <a:solidFill>
-                  <a:schemeClr val="tx1"/>
-                </a:solidFill>
-                <a:latin typeface="+mj-lt"/>
-                <a:ea typeface="+mj-ea"/>
-                <a:cs typeface="+mj-cs"/>
-              </a:defRPr>
-            </a:lvl1pPr>
-          </a:lstStyle>
-          <a:p>
-            <a:pPr algn="l"/>
-            <a:endParaRPr lang="zh-CN" altLang="en-US" sz="4800"/>
+              <a:rPr lang="zh-CN" altLang="en-US" sz="9600"/>
+              <a:t>语法、计算</a:t>
+            </a:r>
+            <a:endParaRPr lang="zh-CN" altLang="en-US" sz="9600"/>
           </a:p>
         </p:txBody>
       </p:sp>
@@ -3881,14 +3589,14 @@
           <a:p>
             <a:pPr algn="ctr"/>
             <a:r>
-              <a:rPr lang="zh-CN" altLang="en-US" sz="8000"/>
-              <a:t>python tutorial</a:t>
-            </a:r>
-            <a:r>
-              <a:rPr lang="en-US" altLang="zh-CN" sz="8000"/>
-              <a:t>/books</a:t>
-            </a:r>
-            <a:endParaRPr lang="en-US" altLang="zh-CN" sz="8000"/>
+              <a:rPr lang="zh-CN" altLang="en-US" sz="9600"/>
+              <a:t>哪家学校普通话好</a:t>
+            </a:r>
+            <a:r>
+              <a:rPr lang="en-US" altLang="zh-CN" sz="9600"/>
+              <a:t>?</a:t>
+            </a:r>
+            <a:endParaRPr lang="en-US" altLang="zh-CN" sz="9600"/>
           </a:p>
         </p:txBody>
       </p:sp>
@@ -3972,7 +3680,7 @@
         </p:nvSpPr>
         <p:spPr>
           <a:xfrm>
-            <a:off x="838200" y="2397125"/>
+            <a:off x="1092200" y="2729865"/>
             <a:ext cx="10515600" cy="2063750"/>
           </a:xfrm>
         </p:spPr>
@@ -3983,10 +3691,33 @@
           <a:p>
             <a:pPr algn="ctr"/>
             <a:r>
-              <a:rPr lang="zh-CN" altLang="en-US" sz="9600"/>
-              <a:t>都行</a:t>
-            </a:r>
-            <a:endParaRPr lang="zh-CN" altLang="en-US" sz="9600"/>
+              <a:rPr lang="en-US" altLang="zh-CN" sz="9600" b="1">
+                <a:solidFill>
+                  <a:srgbClr val="FF0000"/>
+                </a:solidFill>
+              </a:rPr>
+              <a:t>Run</a:t>
+            </a:r>
+            <a:r>
+              <a:rPr lang="en-US" altLang="zh-CN" sz="9600"/>
+              <a:t>, Don't </a:t>
+            </a:r>
+            <a:r>
+              <a:rPr lang="en-US" altLang="zh-CN" sz="9600" strike="sngStrike">
+                <a:solidFill>
+                  <a:schemeClr val="accent1">
+                    <a:lumMod val="75000"/>
+                  </a:schemeClr>
+                </a:solidFill>
+                <a:uFillTx/>
+              </a:rPr>
+              <a:t>Walk</a:t>
+            </a:r>
+            <a:r>
+              <a:rPr lang="en-US" altLang="zh-CN" sz="9600"/>
+              <a:t>!</a:t>
+            </a:r>
+            <a:endParaRPr lang="en-US" altLang="zh-CN" sz="9600"/>
           </a:p>
         </p:txBody>
       </p:sp>
@@ -4032,9 +3763,55 @@
           </a:lstStyle>
           <a:p>
             <a:pPr algn="l"/>
+            <a:endParaRPr lang="zh-CN" altLang="en-US" sz="4800"/>
+          </a:p>
+        </p:txBody>
+      </p:sp>
+      <p:sp>
+        <p:nvSpPr>
+          <p:cNvPr id="4" name="标题 1"/>
+          <p:cNvSpPr>
+            <a:spLocks noGrp="1"/>
+          </p:cNvSpPr>
+          <p:nvPr/>
+        </p:nvSpPr>
+        <p:spPr>
+          <a:xfrm>
+            <a:off x="965200" y="492125"/>
+            <a:ext cx="10515600" cy="1325563"/>
+          </a:xfrm>
+          <a:prstGeom prst="rect">
+            <a:avLst/>
+          </a:prstGeom>
+        </p:spPr>
+        <p:txBody>
+          <a:bodyPr vert="horz" lIns="91440" tIns="45720" rIns="91440" bIns="45720" rtlCol="0" anchor="ctr">
+            <a:normAutofit/>
+          </a:bodyPr>
+          <a:lstStyle>
+            <a:lvl1pPr algn="l" defTabSz="914400" rtl="0" eaLnBrk="1" latinLnBrk="0" hangingPunct="1">
+              <a:lnSpc>
+                <a:spcPct val="90000"/>
+              </a:lnSpc>
+              <a:spcBef>
+                <a:spcPct val="0"/>
+              </a:spcBef>
+              <a:buNone/>
+              <a:defRPr sz="4400" kern="1200">
+                <a:solidFill>
+                  <a:schemeClr val="tx1"/>
+                </a:solidFill>
+                <a:latin typeface="+mj-lt"/>
+                <a:ea typeface="+mj-ea"/>
+                <a:cs typeface="+mj-cs"/>
+              </a:defRPr>
+            </a:lvl1pPr>
+          </a:lstStyle>
+          <a:p>
+            <a:pPr algn="l"/>
             <a:r>
               <a:rPr lang="zh-CN" altLang="en-US" sz="4800"/>
-              <a:t>教程</a:t>
+              <a:t>知行合一</a:t>
             </a:r>
             <a:endParaRPr lang="zh-CN" altLang="en-US" sz="4800"/>
           </a:p>
